--- a/Sentiment Analysis/IntroToSentimentAnalysis_2019/SentimentAnalysis_Booth.pptx
+++ b/Sentiment Analysis/IntroToSentimentAnalysis_2019/SentimentAnalysis_Booth.pptx
@@ -234,7 +234,7 @@
           <a:p>
             <a:fld id="{953AAB45-C4B2-4AFD-A8D7-45663CB4B3F6}" type="datetimeFigureOut">
               <a:rPr lang="en-US" smtClean="0"/>
-              <a:t>3/29/2019</a:t>
+              <a:t>2/6/2020</a:t>
             </a:fld>
             <a:endParaRPr lang="en-US"/>
           </a:p>
@@ -2239,7 +2239,7 @@
           <a:p>
             <a:fld id="{3F615FC7-10A9-48AE-A5CB-FAD70B2D285D}" type="datetimeFigureOut">
               <a:rPr lang="en-US" smtClean="0"/>
-              <a:t>3/29/2019</a:t>
+              <a:t>2/6/2020</a:t>
             </a:fld>
             <a:endParaRPr lang="en-US"/>
           </a:p>
@@ -2409,7 +2409,7 @@
           <a:p>
             <a:fld id="{3F615FC7-10A9-48AE-A5CB-FAD70B2D285D}" type="datetimeFigureOut">
               <a:rPr lang="en-US" smtClean="0"/>
-              <a:t>3/29/2019</a:t>
+              <a:t>2/6/2020</a:t>
             </a:fld>
             <a:endParaRPr lang="en-US"/>
           </a:p>
@@ -2589,7 +2589,7 @@
           <a:p>
             <a:fld id="{3F615FC7-10A9-48AE-A5CB-FAD70B2D285D}" type="datetimeFigureOut">
               <a:rPr lang="en-US" smtClean="0"/>
-              <a:t>3/29/2019</a:t>
+              <a:t>2/6/2020</a:t>
             </a:fld>
             <a:endParaRPr lang="en-US"/>
           </a:p>
@@ -2759,7 +2759,7 @@
           <a:p>
             <a:fld id="{3F615FC7-10A9-48AE-A5CB-FAD70B2D285D}" type="datetimeFigureOut">
               <a:rPr lang="en-US" smtClean="0"/>
-              <a:t>3/29/2019</a:t>
+              <a:t>2/6/2020</a:t>
             </a:fld>
             <a:endParaRPr lang="en-US"/>
           </a:p>
@@ -3005,7 +3005,7 @@
           <a:p>
             <a:fld id="{3F615FC7-10A9-48AE-A5CB-FAD70B2D285D}" type="datetimeFigureOut">
               <a:rPr lang="en-US" smtClean="0"/>
-              <a:t>3/29/2019</a:t>
+              <a:t>2/6/2020</a:t>
             </a:fld>
             <a:endParaRPr lang="en-US"/>
           </a:p>
@@ -3237,7 +3237,7 @@
           <a:p>
             <a:fld id="{3F615FC7-10A9-48AE-A5CB-FAD70B2D285D}" type="datetimeFigureOut">
               <a:rPr lang="en-US" smtClean="0"/>
-              <a:t>3/29/2019</a:t>
+              <a:t>2/6/2020</a:t>
             </a:fld>
             <a:endParaRPr lang="en-US"/>
           </a:p>
@@ -3604,7 +3604,7 @@
           <a:p>
             <a:fld id="{3F615FC7-10A9-48AE-A5CB-FAD70B2D285D}" type="datetimeFigureOut">
               <a:rPr lang="en-US" smtClean="0"/>
-              <a:t>3/29/2019</a:t>
+              <a:t>2/6/2020</a:t>
             </a:fld>
             <a:endParaRPr lang="en-US"/>
           </a:p>
@@ -3722,7 +3722,7 @@
           <a:p>
             <a:fld id="{3F615FC7-10A9-48AE-A5CB-FAD70B2D285D}" type="datetimeFigureOut">
               <a:rPr lang="en-US" smtClean="0"/>
-              <a:t>3/29/2019</a:t>
+              <a:t>2/6/2020</a:t>
             </a:fld>
             <a:endParaRPr lang="en-US"/>
           </a:p>
@@ -3817,7 +3817,7 @@
           <a:p>
             <a:fld id="{3F615FC7-10A9-48AE-A5CB-FAD70B2D285D}" type="datetimeFigureOut">
               <a:rPr lang="en-US" smtClean="0"/>
-              <a:t>3/29/2019</a:t>
+              <a:t>2/6/2020</a:t>
             </a:fld>
             <a:endParaRPr lang="en-US"/>
           </a:p>
@@ -4094,7 +4094,7 @@
           <a:p>
             <a:fld id="{3F615FC7-10A9-48AE-A5CB-FAD70B2D285D}" type="datetimeFigureOut">
               <a:rPr lang="en-US" smtClean="0"/>
-              <a:t>3/29/2019</a:t>
+              <a:t>2/6/2020</a:t>
             </a:fld>
             <a:endParaRPr lang="en-US"/>
           </a:p>
@@ -4347,7 +4347,7 @@
           <a:p>
             <a:fld id="{3F615FC7-10A9-48AE-A5CB-FAD70B2D285D}" type="datetimeFigureOut">
               <a:rPr lang="en-US" smtClean="0"/>
-              <a:t>3/29/2019</a:t>
+              <a:t>2/6/2020</a:t>
             </a:fld>
             <a:endParaRPr lang="en-US"/>
           </a:p>
@@ -4560,7 +4560,7 @@
           <a:p>
             <a:fld id="{3F615FC7-10A9-48AE-A5CB-FAD70B2D285D}" type="datetimeFigureOut">
               <a:rPr lang="en-US" smtClean="0"/>
-              <a:t>3/29/2019</a:t>
+              <a:t>2/6/2020</a:t>
             </a:fld>
             <a:endParaRPr lang="en-US"/>
           </a:p>
@@ -5415,13 +5415,8 @@
             </a:pPr>
             <a:r>
               <a:rPr lang="en-US" dirty="0" smtClean="0"/>
-              <a:t>Dear </a:t>
-            </a:r>
-            <a:r>
-              <a:rPr lang="en-US" dirty="0" smtClean="0"/>
-              <a:t>Alexander,</a:t>
-            </a:r>
-            <a:endParaRPr lang="en-US" dirty="0" smtClean="0"/>
+              <a:t>Dear Alexander,</a:t>
+            </a:r>
           </a:p>
           <a:p>
             <a:pPr marL="0" indent="0">
@@ -5435,39 +5430,23 @@
             </a:pPr>
             <a:r>
               <a:rPr lang="en-US" dirty="0" smtClean="0"/>
-              <a:t>Yesterday, I had occasion to </a:t>
+              <a:t>Yesterday, I had occasion to ask for </a:t>
             </a:r>
             <a:r>
               <a:rPr lang="en-US" dirty="0" smtClean="0"/>
-              <a:t>ask for homework help from Graham. He </a:t>
+              <a:t>technology </a:t>
             </a:r>
             <a:r>
               <a:rPr lang="en-US" dirty="0" smtClean="0"/>
-              <a:t>had an excellent </a:t>
+              <a:t>help from </a:t>
             </a:r>
             <a:r>
               <a:rPr lang="en-US" dirty="0" smtClean="0"/>
-              <a:t>attitude, </a:t>
+              <a:t>Bobby. He </a:t>
             </a:r>
             <a:r>
               <a:rPr lang="en-US" dirty="0" smtClean="0"/>
-              <a:t>friendly and helpful </a:t>
-            </a:r>
-            <a:r>
-              <a:rPr lang="en-US" dirty="0" smtClean="0"/>
-              <a:t>advice, </a:t>
-            </a:r>
-            <a:r>
-              <a:rPr lang="en-US" dirty="0" smtClean="0"/>
-              <a:t>and the </a:t>
-            </a:r>
-            <a:r>
-              <a:rPr lang="en-US" dirty="0" smtClean="0"/>
-              <a:t>biggest smile in </a:t>
-            </a:r>
-            <a:r>
-              <a:rPr lang="en-US" dirty="0" smtClean="0"/>
-              <a:t>town. </a:t>
+              <a:t>had an excellent attitude, friendly and helpful advice, and the biggest smile in town. </a:t>
             </a:r>
           </a:p>
           <a:p>
@@ -5484,7 +5463,6 @@
               <a:rPr lang="en-US" dirty="0" smtClean="0"/>
               <a:t>You suck. </a:t>
             </a:r>
-            <a:endParaRPr lang="en-US" dirty="0" smtClean="0"/>
           </a:p>
           <a:p>
             <a:pPr marL="0" indent="0">
@@ -5513,7 +5491,19 @@
             </a:pPr>
             <a:r>
               <a:rPr lang="en-US" dirty="0" smtClean="0"/>
-              <a:t>Graham 4 Best TA 4-Eva</a:t>
+              <a:t>Bobby </a:t>
+            </a:r>
+            <a:r>
+              <a:rPr lang="en-US" dirty="0" smtClean="0"/>
+              <a:t>4 Best </a:t>
+            </a:r>
+            <a:r>
+              <a:rPr lang="en-US" dirty="0" smtClean="0"/>
+              <a:t>Analyst </a:t>
+            </a:r>
+            <a:r>
+              <a:rPr lang="en-US" dirty="0" smtClean="0"/>
+              <a:t>4-Eva</a:t>
             </a:r>
             <a:endParaRPr lang="en-US" dirty="0"/>
           </a:p>
@@ -6527,11 +6517,7 @@
           <a:p>
             <a:r>
               <a:rPr lang="en-US" dirty="0" smtClean="0"/>
-              <a:t>Case Study #3: </a:t>
-            </a:r>
-            <a:r>
-              <a:rPr lang="en-US" dirty="0" smtClean="0"/>
-              <a:t>Trump Tweets</a:t>
+              <a:t>Case Study #3: Trump Tweets</a:t>
             </a:r>
             <a:endParaRPr lang="en-US" dirty="0"/>
           </a:p>
